--- a/lessons/class4/polarity.pptx
+++ b/lessons/class4/polarity.pptx
@@ -1278,7 +1278,7 @@
           <a:p>
             <a:fld id="{B0C0A60C-850A-4EA4-9C14-A8FE98B94505}" type="datetimeFigureOut">
               <a:rPr lang="en-US" smtClean="0"/>
-              <a:t>2/25/21</a:t>
+              <a:t>2/28/21</a:t>
             </a:fld>
             <a:endParaRPr lang="en-US"/>
           </a:p>
@@ -1677,7 +1677,7 @@
           <a:p>
             <a:fld id="{5738B90E-0779-4C36-915C-6F05FCD89456}" type="datetime1">
               <a:rPr lang="en-US" smtClean="0"/>
-              <a:t>2/25/21</a:t>
+              <a:t>2/28/21</a:t>
             </a:fld>
             <a:endParaRPr lang="en-US"/>
           </a:p>
@@ -1874,7 +1874,7 @@
           <a:p>
             <a:fld id="{7B9EA29D-D431-42FE-B7B6-AAE4454C77D3}" type="datetime1">
               <a:rPr lang="en-US" smtClean="0"/>
-              <a:t>2/25/21</a:t>
+              <a:t>2/28/21</a:t>
             </a:fld>
             <a:endParaRPr lang="en-US"/>
           </a:p>
@@ -2229,7 +2229,7 @@
           <a:p>
             <a:fld id="{690D8A1E-EA8F-46C1-B891-AE0C00D9C314}" type="datetime1">
               <a:rPr lang="en-US" smtClean="0"/>
-              <a:t>2/25/21</a:t>
+              <a:t>2/28/21</a:t>
             </a:fld>
             <a:endParaRPr lang="en-US"/>
           </a:p>
@@ -2537,7 +2537,7 @@
           <a:p>
             <a:fld id="{D753EFC8-4232-4598-94F6-94C0EBAFC469}" type="datetime1">
               <a:rPr lang="en-US" smtClean="0"/>
-              <a:t>2/25/21</a:t>
+              <a:t>2/28/21</a:t>
             </a:fld>
             <a:endParaRPr lang="en-US"/>
           </a:p>
@@ -2866,7 +2866,7 @@
           <a:p>
             <a:fld id="{F3161074-1C18-4AE7-957D-F18524378C85}" type="datetime1">
               <a:rPr lang="en-US" smtClean="0"/>
-              <a:t>2/25/21</a:t>
+              <a:t>2/28/21</a:t>
             </a:fld>
             <a:endParaRPr lang="en-US"/>
           </a:p>
@@ -3119,7 +3119,7 @@
           <a:p>
             <a:fld id="{69BE256C-8D9A-4404-B47D-41A1AE514425}" type="datetime1">
               <a:rPr lang="en-US" smtClean="0"/>
-              <a:t>2/25/21</a:t>
+              <a:t>2/28/21</a:t>
             </a:fld>
             <a:endParaRPr lang="en-US"/>
           </a:p>
@@ -3567,7 +3567,7 @@
           <a:p>
             <a:fld id="{66CB2154-9035-4012-8189-BAAB61C5A5EE}" type="datetime1">
               <a:rPr lang="en-US" smtClean="0"/>
-              <a:t>2/25/21</a:t>
+              <a:t>2/28/21</a:t>
             </a:fld>
             <a:endParaRPr lang="en-US"/>
           </a:p>
@@ -3755,7 +3755,7 @@
           <a:p>
             <a:fld id="{6700A58B-DD98-43D0-B791-721480A02982}" type="datetime1">
               <a:rPr lang="en-US" smtClean="0"/>
-              <a:t>2/25/21</a:t>
+              <a:t>2/28/21</a:t>
             </a:fld>
             <a:endParaRPr lang="en-US"/>
           </a:p>
@@ -3961,7 +3961,7 @@
           <a:p>
             <a:fld id="{7DB6E382-4F61-4E24-BE1A-377EC83D0E3A}" type="datetime1">
               <a:rPr lang="en-US" smtClean="0"/>
-              <a:t>2/25/21</a:t>
+              <a:t>2/28/21</a:t>
             </a:fld>
             <a:endParaRPr lang="en-US"/>
           </a:p>
@@ -4367,7 +4367,7 @@
           <a:p>
             <a:fld id="{4142EED6-FC16-45B9-B8C4-2BC5DBA88325}" type="datetime1">
               <a:rPr lang="en-US" smtClean="0"/>
-              <a:t>2/25/21</a:t>
+              <a:t>2/28/21</a:t>
             </a:fld>
             <a:endParaRPr lang="en-US"/>
           </a:p>
@@ -4699,7 +4699,7 @@
           <a:p>
             <a:fld id="{DF59512B-4F1D-43D7-8819-2F53FEF69650}" type="datetime1">
               <a:rPr lang="en-US" smtClean="0"/>
-              <a:t>2/25/21</a:t>
+              <a:t>2/28/21</a:t>
             </a:fld>
             <a:endParaRPr lang="en-US"/>
           </a:p>
@@ -4989,7 +4989,7 @@
           <a:p>
             <a:fld id="{08437B94-E2BF-44DC-ADC5-B05FC9934E9D}" type="datetime1">
               <a:rPr lang="en-US" smtClean="0"/>
-              <a:t>2/25/21</a:t>
+              <a:t>2/28/21</a:t>
             </a:fld>
             <a:endParaRPr lang="en-US"/>
           </a:p>
@@ -5478,7 +5478,7 @@
             <a:fld id="{5738B90E-0779-4C36-915C-6F05FCD89456}" type="datetime1">
               <a:rPr lang="en-US" smtClean="0"/>
               <a:pPr/>
-              <a:t>2/25/21</a:t>
+              <a:t>2/28/21</a:t>
             </a:fld>
             <a:endParaRPr lang="en-US"/>
           </a:p>
@@ -5664,7 +5664,7 @@
           <a:p>
             <a:fld id="{6700A58B-DD98-43D0-B791-721480A02982}" type="datetime1">
               <a:rPr lang="en-US" smtClean="0"/>
-              <a:t>2/25/21</a:t>
+              <a:t>2/28/21</a:t>
             </a:fld>
             <a:endParaRPr lang="en-US"/>
           </a:p>
@@ -6073,7 +6073,7 @@
           <a:p>
             <a:fld id="{6700A58B-DD98-43D0-B791-721480A02982}" type="datetime1">
               <a:rPr lang="en-US" smtClean="0"/>
-              <a:t>2/25/21</a:t>
+              <a:t>2/28/21</a:t>
             </a:fld>
             <a:endParaRPr lang="en-US"/>
           </a:p>
@@ -6711,7 +6711,7 @@
           <a:p>
             <a:fld id="{6700A58B-DD98-43D0-B791-721480A02982}" type="datetime1">
               <a:rPr lang="en-US" smtClean="0"/>
-              <a:t>2/25/21</a:t>
+              <a:t>2/28/21</a:t>
             </a:fld>
             <a:endParaRPr lang="en-US"/>
           </a:p>
@@ -7117,7 +7117,7 @@
           <a:p>
             <a:fld id="{6700A58B-DD98-43D0-B791-721480A02982}" type="datetime1">
               <a:rPr lang="en-US" smtClean="0"/>
-              <a:t>2/25/21</a:t>
+              <a:t>2/28/21</a:t>
             </a:fld>
             <a:endParaRPr lang="en-US"/>
           </a:p>
@@ -8245,6 +8245,14 @@
             </a:r>
             <a:endParaRPr lang="en-US" dirty="0"/>
           </a:p>
+          <a:p>
+            <a:pPr lvl="1"/>
+            <a:r>
+              <a:rPr lang="en-US" dirty="0" err="1"/>
+              <a:t>D_polarity_over_time.R</a:t>
+            </a:r>
+            <a:endParaRPr lang="en-US" dirty="0"/>
+          </a:p>
         </p:txBody>
       </p:sp>
       <p:sp>
@@ -8270,7 +8278,7 @@
           <a:p>
             <a:fld id="{D753EFC8-4232-4598-94F6-94C0EBAFC469}" type="datetime1">
               <a:rPr lang="en-US" smtClean="0"/>
-              <a:t>2/25/21</a:t>
+              <a:t>2/28/21</a:t>
             </a:fld>
             <a:endParaRPr lang="en-US"/>
           </a:p>
@@ -8436,7 +8444,7 @@
             <a:fld id="{6700A58B-DD98-43D0-B791-721480A02982}" type="datetime1">
               <a:rPr lang="en-US" smtClean="0"/>
               <a:pPr/>
-              <a:t>2/25/21</a:t>
+              <a:t>2/28/21</a:t>
             </a:fld>
             <a:endParaRPr lang="en-US"/>
           </a:p>
@@ -8793,7 +8801,7 @@
           <a:p>
             <a:fld id="{6700A58B-DD98-43D0-B791-721480A02982}" type="datetime1">
               <a:rPr lang="en-US" smtClean="0"/>
-              <a:t>2/25/21</a:t>
+              <a:t>2/28/21</a:t>
             </a:fld>
             <a:endParaRPr lang="en-US"/>
           </a:p>
@@ -9191,7 +9199,7 @@
             <a:fld id="{6700A58B-DD98-43D0-B791-721480A02982}" type="datetime1">
               <a:rPr lang="en-US" smtClean="0"/>
               <a:pPr/>
-              <a:t>2/25/21</a:t>
+              <a:t>2/28/21</a:t>
             </a:fld>
             <a:endParaRPr lang="en-US"/>
           </a:p>
@@ -9556,7 +9564,7 @@
           <a:p>
             <a:fld id="{6700A58B-DD98-43D0-B791-721480A02982}" type="datetime1">
               <a:rPr lang="en-US" smtClean="0"/>
-              <a:t>2/25/21</a:t>
+              <a:t>2/28/21</a:t>
             </a:fld>
             <a:endParaRPr lang="en-US"/>
           </a:p>
@@ -9811,7 +9819,7 @@
           <a:p>
             <a:fld id="{6700A58B-DD98-43D0-B791-721480A02982}" type="datetime1">
               <a:rPr lang="en-US" smtClean="0"/>
-              <a:t>2/25/21</a:t>
+              <a:t>2/28/21</a:t>
             </a:fld>
             <a:endParaRPr lang="en-US"/>
           </a:p>
@@ -10342,7 +10350,7 @@
           <a:p>
             <a:fld id="{6700A58B-DD98-43D0-B791-721480A02982}" type="datetime1">
               <a:rPr lang="en-US" smtClean="0"/>
-              <a:t>2/25/21</a:t>
+              <a:t>2/28/21</a:t>
             </a:fld>
             <a:endParaRPr lang="en-US"/>
           </a:p>
@@ -11156,7 +11164,7 @@
           <a:p>
             <a:fld id="{6700A58B-DD98-43D0-B791-721480A02982}" type="datetime1">
               <a:rPr lang="en-US" smtClean="0"/>
-              <a:t>2/25/21</a:t>
+              <a:t>2/28/21</a:t>
             </a:fld>
             <a:endParaRPr lang="en-US"/>
           </a:p>
@@ -11985,7 +11993,7 @@
           <a:p>
             <a:fld id="{6700A58B-DD98-43D0-B791-721480A02982}" type="datetime1">
               <a:rPr lang="en-US" smtClean="0"/>
-              <a:t>2/25/21</a:t>
+              <a:t>2/28/21</a:t>
             </a:fld>
             <a:endParaRPr lang="en-US"/>
           </a:p>
